--- a/labs/15_Deep-Reinforcement-Learning/Flappy_Bird_Frame-Based_Policy_Gradient.pptx
+++ b/labs/15_Deep-Reinforcement-Learning/Flappy_Bird_Frame-Based_Policy_Gradient.pptx
@@ -27,7 +27,7 @@
     <p:sldId id="272" r:id="rId18"/>
     <p:sldId id="273" r:id="rId19"/>
     <p:sldId id="279" r:id="rId20"/>
-    <p:sldId id="274" r:id="rId21"/>
+    <p:sldId id="280" r:id="rId21"/>
     <p:sldId id="275" r:id="rId22"/>
     <p:sldId id="276" r:id="rId23"/>
     <p:sldId id="278" r:id="rId24"/>
@@ -2509,7 +2509,7 @@
   <p:cSld>
     <p:spTree>
       <p:nvGrpSpPr>
-        <p:cNvPr id="1" name="Shape 256"/>
+        <p:cNvPr id="1" name="Shape 263"/>
         <p:cNvGrpSpPr/>
         <p:nvPr/>
       </p:nvGrpSpPr>
@@ -2523,7 +2523,7 @@
       </p:grpSpPr>
       <p:sp>
         <p:nvSpPr>
-          <p:cNvPr id="257" name="Google Shape;257;p19:notes"/>
+          <p:cNvPr id="264" name="Google Shape;264;p20:notes"/>
           <p:cNvSpPr txBox="1">
             <a:spLocks noGrp="1"/>
           </p:cNvSpPr>
@@ -2561,7 +2561,7 @@
       </p:sp>
       <p:sp>
         <p:nvSpPr>
-          <p:cNvPr id="258" name="Google Shape;258;p19:notes"/>
+          <p:cNvPr id="265" name="Google Shape;265;p20:notes"/>
           <p:cNvSpPr>
             <a:spLocks noGrp="1" noRot="1" noChangeAspect="1"/>
           </p:cNvSpPr>
@@ -2717,110 +2717,6 @@
   <p:cSld>
     <p:spTree>
       <p:nvGrpSpPr>
-        <p:cNvPr id="1" name="Shape 263"/>
-        <p:cNvGrpSpPr/>
-        <p:nvPr/>
-      </p:nvGrpSpPr>
-      <p:grpSpPr>
-        <a:xfrm>
-          <a:off x="0" y="0"/>
-          <a:ext cx="0" cy="0"/>
-          <a:chOff x="0" y="0"/>
-          <a:chExt cx="0" cy="0"/>
-        </a:xfrm>
-      </p:grpSpPr>
-      <p:sp>
-        <p:nvSpPr>
-          <p:cNvPr id="264" name="Google Shape;264;p20:notes"/>
-          <p:cNvSpPr txBox="1">
-            <a:spLocks noGrp="1"/>
-          </p:cNvSpPr>
-          <p:nvPr>
-            <p:ph type="body" idx="1"/>
-          </p:nvPr>
-        </p:nvSpPr>
-        <p:spPr>
-          <a:xfrm>
-            <a:off x="685800" y="4400550"/>
-            <a:ext cx="5486400" cy="3600450"/>
-          </a:xfrm>
-          <a:prstGeom prst="rect">
-            <a:avLst/>
-          </a:prstGeom>
-        </p:spPr>
-        <p:txBody>
-          <a:bodyPr spcFirstLastPara="1" wrap="square" lIns="91425" tIns="45700" rIns="91425" bIns="45700" anchor="t" anchorCtr="0">
-            <a:noAutofit/>
-          </a:bodyPr>
-          <a:lstStyle/>
-          <a:p>
-            <a:pPr marL="0" lvl="0" indent="0" algn="l" rtl="0">
-              <a:spcBef>
-                <a:spcPts val="0"/>
-              </a:spcBef>
-              <a:spcAft>
-                <a:spcPts val="0"/>
-              </a:spcAft>
-              <a:buNone/>
-            </a:pPr>
-            <a:endParaRPr/>
-          </a:p>
-        </p:txBody>
-      </p:sp>
-      <p:sp>
-        <p:nvSpPr>
-          <p:cNvPr id="265" name="Google Shape;265;p20:notes"/>
-          <p:cNvSpPr>
-            <a:spLocks noGrp="1" noRot="1" noChangeAspect="1"/>
-          </p:cNvSpPr>
-          <p:nvPr>
-            <p:ph type="sldImg" idx="2"/>
-          </p:nvPr>
-        </p:nvSpPr>
-        <p:spPr>
-          <a:xfrm>
-            <a:off x="685800" y="1143000"/>
-            <a:ext cx="5486400" cy="3086100"/>
-          </a:xfrm>
-          <a:custGeom>
-            <a:avLst/>
-            <a:gdLst/>
-            <a:ahLst/>
-            <a:cxnLst/>
-            <a:rect l="l" t="t" r="r" b="b"/>
-            <a:pathLst>
-              <a:path w="120000" h="120000" extrusionOk="0">
-                <a:moveTo>
-                  <a:pt x="0" y="0"/>
-                </a:moveTo>
-                <a:lnTo>
-                  <a:pt x="120000" y="0"/>
-                </a:lnTo>
-                <a:lnTo>
-                  <a:pt x="120000" y="120000"/>
-                </a:lnTo>
-                <a:lnTo>
-                  <a:pt x="0" y="120000"/>
-                </a:lnTo>
-                <a:close/>
-              </a:path>
-            </a:pathLst>
-          </a:custGeom>
-        </p:spPr>
-      </p:sp>
-    </p:spTree>
-  </p:cSld>
-  <p:clrMapOvr>
-    <a:masterClrMapping/>
-  </p:clrMapOvr>
-</p:notes>
-</file>
-
-<file path=ppt/notesSlides/notesSlide21.xml><?xml version="1.0" encoding="utf-8"?>
-<p:notes xmlns:a="http://schemas.openxmlformats.org/drawingml/2006/main" xmlns:r="http://schemas.openxmlformats.org/officeDocument/2006/relationships" xmlns:p="http://schemas.openxmlformats.org/presentationml/2006/main" showMasterSp="0" showMasterPhAnim="0">
-  <p:cSld>
-    <p:spTree>
-      <p:nvGrpSpPr>
         <p:cNvPr id="1" name="Shape 270"/>
         <p:cNvGrpSpPr/>
         <p:nvPr/>
@@ -2920,7 +2816,7 @@
 </p:notes>
 </file>
 
-<file path=ppt/notesSlides/notesSlide22.xml><?xml version="1.0" encoding="utf-8"?>
+<file path=ppt/notesSlides/notesSlide21.xml><?xml version="1.0" encoding="utf-8"?>
 <p:notes xmlns:a="http://schemas.openxmlformats.org/drawingml/2006/main" xmlns:r="http://schemas.openxmlformats.org/officeDocument/2006/relationships" xmlns:p="http://schemas.openxmlformats.org/presentationml/2006/main" showMasterSp="0" showMasterPhAnim="0">
   <p:cSld>
     <p:spTree>
@@ -16230,7 +16126,7 @@
               <a:buNone/>
             </a:pPr>
             <a:r>
-              <a:rPr lang="en-US" sz="2400">
+              <a:rPr lang="en-US" sz="2400" dirty="0">
                 <a:solidFill>
                   <a:srgbClr val="C00000"/>
                 </a:solidFill>
@@ -16239,9 +16135,9 @@
                 <a:cs typeface="Calibri"/>
                 <a:sym typeface="Calibri"/>
               </a:rPr>
-              <a:t>PPO is a method that we could leverage old data by simply multiplying a correction item when update the agent</a:t>
+              <a:t>TRPO/PPO is a method that we could leverage old data by simply multiplying a correction item when update the agent</a:t>
             </a:r>
-            <a:endParaRPr sz="2400">
+            <a:endParaRPr sz="2400" dirty="0">
               <a:solidFill>
                 <a:srgbClr val="C00000"/>
               </a:solidFill>
@@ -17136,7 +17032,7 @@
   <p:cSld>
     <p:spTree>
       <p:nvGrpSpPr>
-        <p:cNvPr id="1" name="Shape 259"/>
+        <p:cNvPr id="1" name=""/>
         <p:cNvGrpSpPr/>
         <p:nvPr/>
       </p:nvGrpSpPr>
@@ -17150,144 +17046,110 @@
       </p:grpSpPr>
       <p:sp>
         <p:nvSpPr>
-          <p:cNvPr id="260" name="Google Shape;260;p31"/>
-          <p:cNvSpPr txBox="1">
+          <p:cNvPr id="2" name="標題 1">
+            <a:extLst>
+              <a:ext uri="{FF2B5EF4-FFF2-40B4-BE49-F238E27FC236}">
+                <a16:creationId xmlns:a16="http://schemas.microsoft.com/office/drawing/2014/main" id="{11DD0EA3-0D89-4695-A746-12BC60752650}"/>
+              </a:ext>
+            </a:extLst>
+          </p:cNvPr>
+          <p:cNvSpPr>
             <a:spLocks noGrp="1"/>
           </p:cNvSpPr>
           <p:nvPr>
             <p:ph type="title"/>
           </p:nvPr>
         </p:nvSpPr>
-        <p:spPr>
-          <a:xfrm>
-            <a:off x="838200" y="365125"/>
-            <a:ext cx="10515600" cy="1325563"/>
-          </a:xfrm>
-          <a:prstGeom prst="rect">
-            <a:avLst/>
-          </a:prstGeom>
-          <a:noFill/>
-          <a:ln>
-            <a:noFill/>
-          </a:ln>
-        </p:spPr>
+        <p:spPr/>
         <p:txBody>
-          <a:bodyPr spcFirstLastPara="1" wrap="square" lIns="91425" tIns="45700" rIns="91425" bIns="45700" anchor="ctr" anchorCtr="0">
-            <a:normAutofit/>
-          </a:bodyPr>
+          <a:bodyPr/>
           <a:lstStyle/>
           <a:p>
-            <a:pPr marL="0" lvl="0" indent="0" algn="l" rtl="0">
-              <a:lnSpc>
-                <a:spcPct val="90000"/>
-              </a:lnSpc>
-              <a:spcBef>
-                <a:spcPts val="0"/>
-              </a:spcBef>
-              <a:spcAft>
-                <a:spcPts val="0"/>
-              </a:spcAft>
-              <a:buClr>
-                <a:schemeClr val="dk1"/>
-              </a:buClr>
-              <a:buSzPts val="4400"/>
-              <a:buFont typeface="Calibri"/>
-              <a:buNone/>
-            </a:pPr>
             <a:r>
-              <a:rPr lang="en-US"/>
-              <a:t>No Free Lunch</a:t>
+              <a:rPr lang="en-US" altLang="zh-TW" dirty="0"/>
+              <a:t>TRPO objective</a:t>
             </a:r>
-            <a:endParaRPr/>
+            <a:endParaRPr lang="zh-TW" altLang="en-US" dirty="0"/>
           </a:p>
         </p:txBody>
       </p:sp>
       <p:pic>
         <p:nvPicPr>
-          <p:cNvPr id="261" name="Google Shape;261;p31"/>
-          <p:cNvPicPr preferRelativeResize="0"/>
+          <p:cNvPr id="4" name="圖片 3">
+            <a:extLst>
+              <a:ext uri="{FF2B5EF4-FFF2-40B4-BE49-F238E27FC236}">
+                <a16:creationId xmlns:a16="http://schemas.microsoft.com/office/drawing/2014/main" id="{17CAE069-3CCC-4C06-BF4F-14597135BA91}"/>
+              </a:ext>
+            </a:extLst>
+          </p:cNvPr>
+          <p:cNvPicPr>
+            <a:picLocks noChangeAspect="1"/>
+          </p:cNvPicPr>
           <p:nvPr/>
         </p:nvPicPr>
-        <p:blipFill rotWithShape="1">
-          <a:blip r:embed="rId3">
-            <a:alphaModFix/>
-          </a:blip>
-          <a:srcRect/>
-          <a:stretch/>
+        <p:blipFill>
+          <a:blip r:embed="rId2"/>
+          <a:stretch>
+            <a:fillRect/>
+          </a:stretch>
         </p:blipFill>
         <p:spPr>
           <a:xfrm>
-            <a:off x="1155844" y="1690688"/>
-            <a:ext cx="9880311" cy="4107618"/>
+            <a:off x="1502394" y="3201892"/>
+            <a:ext cx="8166183" cy="2241477"/>
           </a:xfrm>
           <a:prstGeom prst="rect">
             <a:avLst/>
           </a:prstGeom>
-          <a:noFill/>
-          <a:ln>
-            <a:noFill/>
-          </a:ln>
         </p:spPr>
       </p:pic>
       <p:sp>
         <p:nvSpPr>
-          <p:cNvPr id="262" name="Google Shape;262;p31"/>
-          <p:cNvSpPr txBox="1"/>
-          <p:nvPr/>
+          <p:cNvPr id="3" name="文字版面配置區 2">
+            <a:extLst>
+              <a:ext uri="{FF2B5EF4-FFF2-40B4-BE49-F238E27FC236}">
+                <a16:creationId xmlns:a16="http://schemas.microsoft.com/office/drawing/2014/main" id="{1A612A92-7D10-40F0-8557-A50056EB0AB2}"/>
+              </a:ext>
+            </a:extLst>
+          </p:cNvPr>
+          <p:cNvSpPr>
+            <a:spLocks noGrp="1"/>
+          </p:cNvSpPr>
+          <p:nvPr>
+            <p:ph type="body" idx="1"/>
+          </p:nvPr>
         </p:nvSpPr>
         <p:spPr>
           <a:xfrm>
-            <a:off x="7890930" y="6308209"/>
-            <a:ext cx="4206344" cy="369332"/>
+            <a:off x="419549" y="1596380"/>
+            <a:ext cx="10515600" cy="4351338"/>
           </a:xfrm>
-          <a:prstGeom prst="rect">
-            <a:avLst/>
-          </a:prstGeom>
-          <a:noFill/>
-          <a:ln>
-            <a:noFill/>
-          </a:ln>
         </p:spPr>
         <p:txBody>
-          <a:bodyPr spcFirstLastPara="1" wrap="square" lIns="91425" tIns="45700" rIns="91425" bIns="45700" anchor="t" anchorCtr="0">
-            <a:spAutoFit/>
-          </a:bodyPr>
+          <a:bodyPr/>
           <a:lstStyle/>
           <a:p>
-            <a:pPr marL="0" marR="0" lvl="0" indent="0" algn="l" rtl="0">
-              <a:spcBef>
-                <a:spcPts val="0"/>
-              </a:spcBef>
-              <a:spcAft>
-                <a:spcPts val="0"/>
-              </a:spcAft>
-              <a:buNone/>
-            </a:pPr>
             <a:r>
-              <a:rPr lang="en-US" sz="1800" dirty="0">
-                <a:solidFill>
-                  <a:schemeClr val="dk1"/>
-                </a:solidFill>
-                <a:latin typeface="Calibri"/>
-                <a:ea typeface="Calibri"/>
-                <a:cs typeface="Calibri"/>
-                <a:sym typeface="Calibri"/>
-              </a:rPr>
-              <a:t>Reference: cs885-spring18-lecture15b p.8</a:t>
+              <a:rPr lang="en-US" altLang="zh-TW" dirty="0"/>
+              <a:t>TRPO use conjugate gradient algorithm</a:t>
             </a:r>
-            <a:endParaRPr sz="1800" dirty="0">
-              <a:solidFill>
-                <a:schemeClr val="dk1"/>
-              </a:solidFill>
-              <a:latin typeface="Calibri"/>
-              <a:ea typeface="Calibri"/>
-              <a:cs typeface="Calibri"/>
-              <a:sym typeface="Calibri"/>
-            </a:endParaRPr>
+          </a:p>
+          <a:p>
+            <a:pPr lvl="1"/>
+            <a:r>
+              <a:rPr lang="en-US" altLang="zh-TW" dirty="0"/>
+              <a:t>Slow because need to calculate Hessian matrix</a:t>
+            </a:r>
+            <a:endParaRPr lang="zh-TW" altLang="en-US" dirty="0"/>
           </a:p>
         </p:txBody>
       </p:sp>
     </p:spTree>
+    <p:extLst>
+      <p:ext uri="{BB962C8B-B14F-4D97-AF65-F5344CB8AC3E}">
+        <p14:creationId xmlns:p14="http://schemas.microsoft.com/office/powerpoint/2010/main" val="2420561517"/>
+      </p:ext>
+    </p:extLst>
   </p:cSld>
   <p:clrMapOvr>
     <a:masterClrMapping/>

--- a/labs/15_Deep-Reinforcement-Learning/Flappy_Bird_Frame-Based_Policy_Gradient.pptx
+++ b/labs/15_Deep-Reinforcement-Learning/Flappy_Bird_Frame-Based_Policy_Gradient.pptx
@@ -14083,15 +14083,7 @@
                   <a:srgbClr val="666666"/>
                 </a:solidFill>
               </a:rPr>
-              <a:t>Fall 202</a:t>
-            </a:r>
-            <a:r>
-              <a:rPr lang="en-US" altLang="zh-TW" dirty="0">
-                <a:solidFill>
-                  <a:srgbClr val="666666"/>
-                </a:solidFill>
-              </a:rPr>
-              <a:t>2</a:t>
+              <a:t>Fall 2023</a:t>
             </a:r>
             <a:endParaRPr dirty="0">
               <a:solidFill>
@@ -17584,7 +17576,7 @@
             </a:pPr>
             <a:r>
               <a:rPr lang="en-US" dirty="0"/>
-              <a:t>Running the code of PPO X GAE.</a:t>
+              <a:t>Run the code of PPO X GAE.</a:t>
             </a:r>
             <a:endParaRPr dirty="0"/>
           </a:p>
@@ -17600,7 +17592,7 @@
             </a:pPr>
             <a:r>
               <a:rPr lang="en-US" dirty="0"/>
-              <a:t>Writing a report about what you observe.</a:t>
+              <a:t>Write a report about what you observe.</a:t>
             </a:r>
             <a:endParaRPr dirty="0"/>
           </a:p>
@@ -17644,23 +17636,15 @@
             </a:pPr>
             <a:r>
               <a:rPr lang="en-US" dirty="0"/>
-              <a:t>	202</a:t>
+              <a:t>	2024/01/04 (</a:t>
             </a:r>
             <a:r>
-              <a:rPr lang="en-US" altLang="zh-TW" dirty="0"/>
-              <a:t>2</a:t>
+              <a:rPr lang="en-US" dirty="0" err="1"/>
+              <a:t>Thur</a:t>
             </a:r>
             <a:r>
               <a:rPr lang="en-US" dirty="0"/>
-              <a:t>/12/2</a:t>
-            </a:r>
-            <a:r>
-              <a:rPr lang="en-US" altLang="zh-TW" dirty="0"/>
-              <a:t>2</a:t>
-            </a:r>
-            <a:r>
-              <a:rPr lang="en-US" dirty="0"/>
-              <a:t> 11:59 p.m.</a:t>
+              <a:t>) 23:59</a:t>
             </a:r>
             <a:endParaRPr dirty="0"/>
           </a:p>

--- a/labs/15_Deep-Reinforcement-Learning/Flappy_Bird_Frame-Based_Policy_Gradient.pptx
+++ b/labs/15_Deep-Reinforcement-Learning/Flappy_Bird_Frame-Based_Policy_Gradient.pptx
@@ -17636,15 +17636,15 @@
             </a:pPr>
             <a:r>
               <a:rPr lang="en-US" dirty="0"/>
-              <a:t>	2024/01/04 (</a:t>
+              <a:t>	</a:t>
             </a:r>
             <a:r>
-              <a:rPr lang="en-US" dirty="0" err="1"/>
-              <a:t>Thur</a:t>
+              <a:rPr lang="en-US"/>
+              <a:t>2024/12/18 (Wed) </a:t>
             </a:r>
             <a:r>
               <a:rPr lang="en-US" dirty="0"/>
-              <a:t>) 23:59</a:t>
+              <a:t>23:59</a:t>
             </a:r>
             <a:endParaRPr dirty="0"/>
           </a:p>
